--- a/Meeting-and-Presentation-Slide-Template/Official/en/OpenChain-Slide-Template-2023-Version-1.pptx
+++ b/Meeting-and-Presentation-Slide-Template/Official/en/OpenChain-Slide-Template-2023-Version-1.pptx
@@ -5,42 +5,44 @@
     <p:sldMasterId id="2147483664" r:id="rId1"/>
   </p:sldMasterIdLst>
   <p:notesMasterIdLst>
-    <p:notesMasterId r:id="rId13"/>
+    <p:notesMasterId r:id="rId15"/>
   </p:notesMasterIdLst>
   <p:sldIdLst>
     <p:sldId id="257" r:id="rId2"/>
     <p:sldId id="258" r:id="rId3"/>
     <p:sldId id="259" r:id="rId4"/>
-    <p:sldId id="260" r:id="rId5"/>
-    <p:sldId id="261" r:id="rId6"/>
-    <p:sldId id="262" r:id="rId7"/>
-    <p:sldId id="263" r:id="rId8"/>
-    <p:sldId id="264" r:id="rId9"/>
-    <p:sldId id="265" r:id="rId10"/>
-    <p:sldId id="266" r:id="rId11"/>
-    <p:sldId id="267" r:id="rId12"/>
+    <p:sldId id="269" r:id="rId5"/>
+    <p:sldId id="260" r:id="rId6"/>
+    <p:sldId id="261" r:id="rId7"/>
+    <p:sldId id="262" r:id="rId8"/>
+    <p:sldId id="263" r:id="rId9"/>
+    <p:sldId id="264" r:id="rId10"/>
+    <p:sldId id="265" r:id="rId11"/>
+    <p:sldId id="266" r:id="rId12"/>
+    <p:sldId id="267" r:id="rId13"/>
+    <p:sldId id="268" r:id="rId14"/>
   </p:sldIdLst>
   <p:sldSz cx="9144000" cy="5143500" type="screen16x9"/>
   <p:notesSz cx="6858000" cy="9144000"/>
   <p:embeddedFontLst>
     <p:embeddedFont>
       <p:font typeface="Open Sans Medium" pitchFamily="2" charset="0"/>
-      <p:regular r:id="rId14"/>
-      <p:bold r:id="rId15"/>
-      <p:italic r:id="rId16"/>
-      <p:boldItalic r:id="rId17"/>
+      <p:regular r:id="rId16"/>
+      <p:bold r:id="rId17"/>
+      <p:italic r:id="rId18"/>
+      <p:boldItalic r:id="rId19"/>
     </p:embeddedFont>
     <p:embeddedFont>
       <p:font typeface="Roboto" panose="02000000000000000000" pitchFamily="2" charset="0"/>
-      <p:regular r:id="rId18"/>
-      <p:bold r:id="rId19"/>
-      <p:italic r:id="rId20"/>
-      <p:boldItalic r:id="rId21"/>
+      <p:regular r:id="rId20"/>
+      <p:bold r:id="rId21"/>
+      <p:italic r:id="rId22"/>
+      <p:boldItalic r:id="rId23"/>
     </p:embeddedFont>
     <p:embeddedFont>
       <p:font typeface="Roboto Slab Light" pitchFamily="2" charset="0"/>
-      <p:regular r:id="rId22"/>
-      <p:bold r:id="rId23"/>
+      <p:regular r:id="rId24"/>
+      <p:bold r:id="rId25"/>
     </p:embeddedFont>
   </p:embeddedFontLst>
   <p:defaultTextStyle>
@@ -841,6 +843,110 @@
   <p:cSld>
     <p:spTree>
       <p:nvGrpSpPr>
+        <p:cNvPr id="1" name="Shape 164"/>
+        <p:cNvGrpSpPr/>
+        <p:nvPr/>
+      </p:nvGrpSpPr>
+      <p:grpSpPr>
+        <a:xfrm>
+          <a:off x="0" y="0"/>
+          <a:ext cx="0" cy="0"/>
+          <a:chOff x="0" y="0"/>
+          <a:chExt cx="0" cy="0"/>
+        </a:xfrm>
+      </p:grpSpPr>
+      <p:sp>
+        <p:nvSpPr>
+          <p:cNvPr id="165" name="Google Shape;165;g144aaa0767c_0_94:notes"/>
+          <p:cNvSpPr>
+            <a:spLocks noGrp="1" noRot="1" noChangeAspect="1"/>
+          </p:cNvSpPr>
+          <p:nvPr>
+            <p:ph type="sldImg" idx="2"/>
+          </p:nvPr>
+        </p:nvSpPr>
+        <p:spPr>
+          <a:xfrm>
+            <a:off x="381000" y="685800"/>
+            <a:ext cx="6096000" cy="3429000"/>
+          </a:xfrm>
+          <a:custGeom>
+            <a:avLst/>
+            <a:gdLst/>
+            <a:ahLst/>
+            <a:cxnLst/>
+            <a:rect l="l" t="t" r="r" b="b"/>
+            <a:pathLst>
+              <a:path w="120000" h="120000" extrusionOk="0">
+                <a:moveTo>
+                  <a:pt x="0" y="0"/>
+                </a:moveTo>
+                <a:lnTo>
+                  <a:pt x="120000" y="0"/>
+                </a:lnTo>
+                <a:lnTo>
+                  <a:pt x="120000" y="120000"/>
+                </a:lnTo>
+                <a:lnTo>
+                  <a:pt x="0" y="120000"/>
+                </a:lnTo>
+                <a:close/>
+              </a:path>
+            </a:pathLst>
+          </a:custGeom>
+        </p:spPr>
+      </p:sp>
+      <p:sp>
+        <p:nvSpPr>
+          <p:cNvPr id="166" name="Google Shape;166;g144aaa0767c_0_94:notes"/>
+          <p:cNvSpPr txBox="1">
+            <a:spLocks noGrp="1"/>
+          </p:cNvSpPr>
+          <p:nvPr>
+            <p:ph type="body" idx="1"/>
+          </p:nvPr>
+        </p:nvSpPr>
+        <p:spPr>
+          <a:xfrm>
+            <a:off x="685800" y="4343400"/>
+            <a:ext cx="5486400" cy="4114800"/>
+          </a:xfrm>
+          <a:prstGeom prst="rect">
+            <a:avLst/>
+          </a:prstGeom>
+        </p:spPr>
+        <p:txBody>
+          <a:bodyPr spcFirstLastPara="1" wrap="square" lIns="91425" tIns="91425" rIns="91425" bIns="91425" anchor="t" anchorCtr="0">
+            <a:noAutofit/>
+          </a:bodyPr>
+          <a:lstStyle/>
+          <a:p>
+            <a:pPr marL="0" lvl="0" indent="0" algn="l" rtl="0">
+              <a:spcBef>
+                <a:spcPts val="0"/>
+              </a:spcBef>
+              <a:spcAft>
+                <a:spcPts val="0"/>
+              </a:spcAft>
+              <a:buNone/>
+            </a:pPr>
+            <a:endParaRPr/>
+          </a:p>
+        </p:txBody>
+      </p:sp>
+    </p:spTree>
+  </p:cSld>
+  <p:clrMapOvr>
+    <a:masterClrMapping/>
+  </p:clrMapOvr>
+</p:notes>
+</file>
+
+<file path=ppt/notesSlides/notesSlide11.xml><?xml version="1.0" encoding="utf-8"?>
+<p:notes xmlns:a="http://schemas.openxmlformats.org/drawingml/2006/main" xmlns:r="http://schemas.openxmlformats.org/officeDocument/2006/relationships" xmlns:p="http://schemas.openxmlformats.org/presentationml/2006/main" showMasterSp="0" showMasterPhAnim="0">
+  <p:cSld>
+    <p:spTree>
+      <p:nvGrpSpPr>
         <p:cNvPr id="1" name="Shape 171"/>
         <p:cNvGrpSpPr/>
         <p:nvPr/>
@@ -940,7 +1046,7 @@
 </p:notes>
 </file>
 
-<file path=ppt/notesSlides/notesSlide11.xml><?xml version="1.0" encoding="utf-8"?>
+<file path=ppt/notesSlides/notesSlide12.xml><?xml version="1.0" encoding="utf-8"?>
 <p:notes xmlns:a="http://schemas.openxmlformats.org/drawingml/2006/main" xmlns:r="http://schemas.openxmlformats.org/officeDocument/2006/relationships" xmlns:p="http://schemas.openxmlformats.org/presentationml/2006/main" showMasterSp="0" showMasterPhAnim="0">
   <p:cSld>
     <p:spTree>
@@ -1037,6 +1143,115 @@
         </p:txBody>
       </p:sp>
     </p:spTree>
+  </p:cSld>
+  <p:clrMapOvr>
+    <a:masterClrMapping/>
+  </p:clrMapOvr>
+</p:notes>
+</file>
+
+<file path=ppt/notesSlides/notesSlide13.xml><?xml version="1.0" encoding="utf-8"?>
+<p:notes xmlns:a="http://schemas.openxmlformats.org/drawingml/2006/main" xmlns:r="http://schemas.openxmlformats.org/officeDocument/2006/relationships" xmlns:p="http://schemas.openxmlformats.org/presentationml/2006/main" showMasterSp="0" showMasterPhAnim="0">
+  <p:cSld>
+    <p:spTree>
+      <p:nvGrpSpPr>
+        <p:cNvPr id="1" name="Shape 153"/>
+        <p:cNvGrpSpPr/>
+        <p:nvPr/>
+      </p:nvGrpSpPr>
+      <p:grpSpPr>
+        <a:xfrm>
+          <a:off x="0" y="0"/>
+          <a:ext cx="0" cy="0"/>
+          <a:chOff x="0" y="0"/>
+          <a:chExt cx="0" cy="0"/>
+        </a:xfrm>
+      </p:grpSpPr>
+      <p:sp>
+        <p:nvSpPr>
+          <p:cNvPr id="154" name="Google Shape;154;g146cbe31ecc_0_86:notes"/>
+          <p:cNvSpPr>
+            <a:spLocks noGrp="1" noRot="1" noChangeAspect="1"/>
+          </p:cNvSpPr>
+          <p:nvPr>
+            <p:ph type="sldImg" idx="2"/>
+          </p:nvPr>
+        </p:nvSpPr>
+        <p:spPr>
+          <a:xfrm>
+            <a:off x="381000" y="685800"/>
+            <a:ext cx="6096000" cy="3429000"/>
+          </a:xfrm>
+          <a:custGeom>
+            <a:avLst/>
+            <a:gdLst/>
+            <a:ahLst/>
+            <a:cxnLst/>
+            <a:rect l="l" t="t" r="r" b="b"/>
+            <a:pathLst>
+              <a:path w="120000" h="120000" extrusionOk="0">
+                <a:moveTo>
+                  <a:pt x="0" y="0"/>
+                </a:moveTo>
+                <a:lnTo>
+                  <a:pt x="120000" y="0"/>
+                </a:lnTo>
+                <a:lnTo>
+                  <a:pt x="120000" y="120000"/>
+                </a:lnTo>
+                <a:lnTo>
+                  <a:pt x="0" y="120000"/>
+                </a:lnTo>
+                <a:close/>
+              </a:path>
+            </a:pathLst>
+          </a:custGeom>
+        </p:spPr>
+      </p:sp>
+      <p:sp>
+        <p:nvSpPr>
+          <p:cNvPr id="155" name="Google Shape;155;g146cbe31ecc_0_86:notes"/>
+          <p:cNvSpPr txBox="1">
+            <a:spLocks noGrp="1"/>
+          </p:cNvSpPr>
+          <p:nvPr>
+            <p:ph type="body" idx="1"/>
+          </p:nvPr>
+        </p:nvSpPr>
+        <p:spPr>
+          <a:xfrm>
+            <a:off x="685800" y="4343400"/>
+            <a:ext cx="5486400" cy="4114800"/>
+          </a:xfrm>
+          <a:prstGeom prst="rect">
+            <a:avLst/>
+          </a:prstGeom>
+        </p:spPr>
+        <p:txBody>
+          <a:bodyPr spcFirstLastPara="1" wrap="square" lIns="91425" tIns="91425" rIns="91425" bIns="91425" anchor="t" anchorCtr="0">
+            <a:noAutofit/>
+          </a:bodyPr>
+          <a:lstStyle/>
+          <a:p>
+            <a:pPr marL="0" lvl="0" indent="0" algn="l" rtl="0">
+              <a:spcBef>
+                <a:spcPts val="0"/>
+              </a:spcBef>
+              <a:spcAft>
+                <a:spcPts val="0"/>
+              </a:spcAft>
+              <a:buNone/>
+            </a:pPr>
+            <a:endParaRPr/>
+          </a:p>
+        </p:txBody>
+      </p:sp>
+    </p:spTree>
+    <p:extLst>
+      <p:ext uri="{BB962C8B-B14F-4D97-AF65-F5344CB8AC3E}">
+        <p14:creationId xmlns:p14="http://schemas.microsoft.com/office/powerpoint/2010/main" val="1990242593"/>
+      </p:ext>
+    </p:extLst>
   </p:cSld>
   <p:clrMapOvr>
     <a:masterClrMapping/>
@@ -1257,6 +1472,115 @@
   <p:cSld>
     <p:spTree>
       <p:nvGrpSpPr>
+        <p:cNvPr id="1" name="Shape 153"/>
+        <p:cNvGrpSpPr/>
+        <p:nvPr/>
+      </p:nvGrpSpPr>
+      <p:grpSpPr>
+        <a:xfrm>
+          <a:off x="0" y="0"/>
+          <a:ext cx="0" cy="0"/>
+          <a:chOff x="0" y="0"/>
+          <a:chExt cx="0" cy="0"/>
+        </a:xfrm>
+      </p:grpSpPr>
+      <p:sp>
+        <p:nvSpPr>
+          <p:cNvPr id="154" name="Google Shape;154;g146cbe31ecc_0_86:notes"/>
+          <p:cNvSpPr>
+            <a:spLocks noGrp="1" noRot="1" noChangeAspect="1"/>
+          </p:cNvSpPr>
+          <p:nvPr>
+            <p:ph type="sldImg" idx="2"/>
+          </p:nvPr>
+        </p:nvSpPr>
+        <p:spPr>
+          <a:xfrm>
+            <a:off x="381000" y="685800"/>
+            <a:ext cx="6096000" cy="3429000"/>
+          </a:xfrm>
+          <a:custGeom>
+            <a:avLst/>
+            <a:gdLst/>
+            <a:ahLst/>
+            <a:cxnLst/>
+            <a:rect l="l" t="t" r="r" b="b"/>
+            <a:pathLst>
+              <a:path w="120000" h="120000" extrusionOk="0">
+                <a:moveTo>
+                  <a:pt x="0" y="0"/>
+                </a:moveTo>
+                <a:lnTo>
+                  <a:pt x="120000" y="0"/>
+                </a:lnTo>
+                <a:lnTo>
+                  <a:pt x="120000" y="120000"/>
+                </a:lnTo>
+                <a:lnTo>
+                  <a:pt x="0" y="120000"/>
+                </a:lnTo>
+                <a:close/>
+              </a:path>
+            </a:pathLst>
+          </a:custGeom>
+        </p:spPr>
+      </p:sp>
+      <p:sp>
+        <p:nvSpPr>
+          <p:cNvPr id="155" name="Google Shape;155;g146cbe31ecc_0_86:notes"/>
+          <p:cNvSpPr txBox="1">
+            <a:spLocks noGrp="1"/>
+          </p:cNvSpPr>
+          <p:nvPr>
+            <p:ph type="body" idx="1"/>
+          </p:nvPr>
+        </p:nvSpPr>
+        <p:spPr>
+          <a:xfrm>
+            <a:off x="685800" y="4343400"/>
+            <a:ext cx="5486400" cy="4114800"/>
+          </a:xfrm>
+          <a:prstGeom prst="rect">
+            <a:avLst/>
+          </a:prstGeom>
+        </p:spPr>
+        <p:txBody>
+          <a:bodyPr spcFirstLastPara="1" wrap="square" lIns="91425" tIns="91425" rIns="91425" bIns="91425" anchor="t" anchorCtr="0">
+            <a:noAutofit/>
+          </a:bodyPr>
+          <a:lstStyle/>
+          <a:p>
+            <a:pPr marL="0" lvl="0" indent="0" algn="l" rtl="0">
+              <a:spcBef>
+                <a:spcPts val="0"/>
+              </a:spcBef>
+              <a:spcAft>
+                <a:spcPts val="0"/>
+              </a:spcAft>
+              <a:buNone/>
+            </a:pPr>
+            <a:endParaRPr/>
+          </a:p>
+        </p:txBody>
+      </p:sp>
+    </p:spTree>
+    <p:extLst>
+      <p:ext uri="{BB962C8B-B14F-4D97-AF65-F5344CB8AC3E}">
+        <p14:creationId xmlns:p14="http://schemas.microsoft.com/office/powerpoint/2010/main" val="794628929"/>
+      </p:ext>
+    </p:extLst>
+  </p:cSld>
+  <p:clrMapOvr>
+    <a:masterClrMapping/>
+  </p:clrMapOvr>
+</p:notes>
+</file>
+
+<file path=ppt/notesSlides/notesSlide5.xml><?xml version="1.0" encoding="utf-8"?>
+<p:notes xmlns:a="http://schemas.openxmlformats.org/drawingml/2006/main" xmlns:r="http://schemas.openxmlformats.org/officeDocument/2006/relationships" xmlns:p="http://schemas.openxmlformats.org/presentationml/2006/main" showMasterSp="0" showMasterPhAnim="0">
+  <p:cSld>
+    <p:spTree>
+      <p:nvGrpSpPr>
         <p:cNvPr id="1" name="Shape 136"/>
         <p:cNvGrpSpPr/>
         <p:nvPr/>
@@ -1356,7 +1680,7 @@
 </p:notes>
 </file>
 
-<file path=ppt/notesSlides/notesSlide5.xml><?xml version="1.0" encoding="utf-8"?>
+<file path=ppt/notesSlides/notesSlide6.xml><?xml version="1.0" encoding="utf-8"?>
 <p:notes xmlns:a="http://schemas.openxmlformats.org/drawingml/2006/main" xmlns:r="http://schemas.openxmlformats.org/officeDocument/2006/relationships" xmlns:p="http://schemas.openxmlformats.org/presentationml/2006/main" showMasterSp="0" showMasterPhAnim="0">
   <p:cSld>
     <p:spTree>
@@ -1460,7 +1784,7 @@
 </p:notes>
 </file>
 
-<file path=ppt/notesSlides/notesSlide6.xml><?xml version="1.0" encoding="utf-8"?>
+<file path=ppt/notesSlides/notesSlide7.xml><?xml version="1.0" encoding="utf-8"?>
 <p:notes xmlns:a="http://schemas.openxmlformats.org/drawingml/2006/main" xmlns:r="http://schemas.openxmlformats.org/officeDocument/2006/relationships" xmlns:p="http://schemas.openxmlformats.org/presentationml/2006/main" showMasterSp="0" showMasterPhAnim="0">
   <p:cSld>
     <p:spTree>
@@ -1564,7 +1888,7 @@
 </p:notes>
 </file>
 
-<file path=ppt/notesSlides/notesSlide7.xml><?xml version="1.0" encoding="utf-8"?>
+<file path=ppt/notesSlides/notesSlide8.xml><?xml version="1.0" encoding="utf-8"?>
 <p:notes xmlns:a="http://schemas.openxmlformats.org/drawingml/2006/main" xmlns:r="http://schemas.openxmlformats.org/officeDocument/2006/relationships" xmlns:p="http://schemas.openxmlformats.org/presentationml/2006/main" showMasterSp="0" showMasterPhAnim="0">
   <p:cSld>
     <p:spTree>
@@ -1668,7 +1992,7 @@
 </p:notes>
 </file>
 
-<file path=ppt/notesSlides/notesSlide8.xml><?xml version="1.0" encoding="utf-8"?>
+<file path=ppt/notesSlides/notesSlide9.xml><?xml version="1.0" encoding="utf-8"?>
 <p:notes xmlns:a="http://schemas.openxmlformats.org/drawingml/2006/main" xmlns:r="http://schemas.openxmlformats.org/officeDocument/2006/relationships" xmlns:p="http://schemas.openxmlformats.org/presentationml/2006/main" showMasterSp="0" showMasterPhAnim="0">
   <p:cSld>
     <p:spTree>
@@ -1729,110 +2053,6 @@
       <p:sp>
         <p:nvSpPr>
           <p:cNvPr id="161" name="Google Shape;161;g144aaa0767c_0_89:notes"/>
-          <p:cNvSpPr txBox="1">
-            <a:spLocks noGrp="1"/>
-          </p:cNvSpPr>
-          <p:nvPr>
-            <p:ph type="body" idx="1"/>
-          </p:nvPr>
-        </p:nvSpPr>
-        <p:spPr>
-          <a:xfrm>
-            <a:off x="685800" y="4343400"/>
-            <a:ext cx="5486400" cy="4114800"/>
-          </a:xfrm>
-          <a:prstGeom prst="rect">
-            <a:avLst/>
-          </a:prstGeom>
-        </p:spPr>
-        <p:txBody>
-          <a:bodyPr spcFirstLastPara="1" wrap="square" lIns="91425" tIns="91425" rIns="91425" bIns="91425" anchor="t" anchorCtr="0">
-            <a:noAutofit/>
-          </a:bodyPr>
-          <a:lstStyle/>
-          <a:p>
-            <a:pPr marL="0" lvl="0" indent="0" algn="l" rtl="0">
-              <a:spcBef>
-                <a:spcPts val="0"/>
-              </a:spcBef>
-              <a:spcAft>
-                <a:spcPts val="0"/>
-              </a:spcAft>
-              <a:buNone/>
-            </a:pPr>
-            <a:endParaRPr/>
-          </a:p>
-        </p:txBody>
-      </p:sp>
-    </p:spTree>
-  </p:cSld>
-  <p:clrMapOvr>
-    <a:masterClrMapping/>
-  </p:clrMapOvr>
-</p:notes>
-</file>
-
-<file path=ppt/notesSlides/notesSlide9.xml><?xml version="1.0" encoding="utf-8"?>
-<p:notes xmlns:a="http://schemas.openxmlformats.org/drawingml/2006/main" xmlns:r="http://schemas.openxmlformats.org/officeDocument/2006/relationships" xmlns:p="http://schemas.openxmlformats.org/presentationml/2006/main" showMasterSp="0" showMasterPhAnim="0">
-  <p:cSld>
-    <p:spTree>
-      <p:nvGrpSpPr>
-        <p:cNvPr id="1" name="Shape 164"/>
-        <p:cNvGrpSpPr/>
-        <p:nvPr/>
-      </p:nvGrpSpPr>
-      <p:grpSpPr>
-        <a:xfrm>
-          <a:off x="0" y="0"/>
-          <a:ext cx="0" cy="0"/>
-          <a:chOff x="0" y="0"/>
-          <a:chExt cx="0" cy="0"/>
-        </a:xfrm>
-      </p:grpSpPr>
-      <p:sp>
-        <p:nvSpPr>
-          <p:cNvPr id="165" name="Google Shape;165;g144aaa0767c_0_94:notes"/>
-          <p:cNvSpPr>
-            <a:spLocks noGrp="1" noRot="1" noChangeAspect="1"/>
-          </p:cNvSpPr>
-          <p:nvPr>
-            <p:ph type="sldImg" idx="2"/>
-          </p:nvPr>
-        </p:nvSpPr>
-        <p:spPr>
-          <a:xfrm>
-            <a:off x="381000" y="685800"/>
-            <a:ext cx="6096000" cy="3429000"/>
-          </a:xfrm>
-          <a:custGeom>
-            <a:avLst/>
-            <a:gdLst/>
-            <a:ahLst/>
-            <a:cxnLst/>
-            <a:rect l="l" t="t" r="r" b="b"/>
-            <a:pathLst>
-              <a:path w="120000" h="120000" extrusionOk="0">
-                <a:moveTo>
-                  <a:pt x="0" y="0"/>
-                </a:moveTo>
-                <a:lnTo>
-                  <a:pt x="120000" y="0"/>
-                </a:lnTo>
-                <a:lnTo>
-                  <a:pt x="120000" y="120000"/>
-                </a:lnTo>
-                <a:lnTo>
-                  <a:pt x="0" y="120000"/>
-                </a:lnTo>
-                <a:close/>
-              </a:path>
-            </a:pathLst>
-          </a:custGeom>
-        </p:spPr>
-      </p:sp>
-      <p:sp>
-        <p:nvSpPr>
-          <p:cNvPr id="166" name="Google Shape;166;g144aaa0767c_0_94:notes"/>
           <p:cNvSpPr txBox="1">
             <a:spLocks noGrp="1"/>
           </p:cNvSpPr>
@@ -10288,6 +10508,145 @@
   <p:cSld>
     <p:spTree>
       <p:nvGrpSpPr>
+        <p:cNvPr id="1" name="Shape 167"/>
+        <p:cNvGrpSpPr/>
+        <p:nvPr/>
+      </p:nvGrpSpPr>
+      <p:grpSpPr>
+        <a:xfrm>
+          <a:off x="0" y="0"/>
+          <a:ext cx="0" cy="0"/>
+          <a:chOff x="0" y="0"/>
+          <a:chExt cx="0" cy="0"/>
+        </a:xfrm>
+      </p:grpSpPr>
+      <p:sp>
+        <p:nvSpPr>
+          <p:cNvPr id="168" name="Google Shape;168;p27"/>
+          <p:cNvSpPr txBox="1">
+            <a:spLocks noGrp="1"/>
+          </p:cNvSpPr>
+          <p:nvPr>
+            <p:ph type="title"/>
+          </p:nvPr>
+        </p:nvSpPr>
+        <p:spPr>
+          <a:xfrm>
+            <a:off x="265500" y="1151100"/>
+            <a:ext cx="4045200" cy="1564500"/>
+          </a:xfrm>
+          <a:prstGeom prst="rect">
+            <a:avLst/>
+          </a:prstGeom>
+        </p:spPr>
+        <p:txBody>
+          <a:bodyPr spcFirstLastPara="1" wrap="square" lIns="91425" tIns="91425" rIns="91425" bIns="91425" anchor="b" anchorCtr="0">
+            <a:normAutofit/>
+          </a:bodyPr>
+          <a:lstStyle/>
+          <a:p>
+            <a:pPr marL="0" lvl="0" indent="0" algn="l" rtl="0">
+              <a:spcBef>
+                <a:spcPts val="0"/>
+              </a:spcBef>
+              <a:spcAft>
+                <a:spcPts val="0"/>
+              </a:spcAft>
+              <a:buNone/>
+            </a:pPr>
+            <a:endParaRPr/>
+          </a:p>
+        </p:txBody>
+      </p:sp>
+      <p:sp>
+        <p:nvSpPr>
+          <p:cNvPr id="169" name="Google Shape;169;p27"/>
+          <p:cNvSpPr txBox="1">
+            <a:spLocks noGrp="1"/>
+          </p:cNvSpPr>
+          <p:nvPr>
+            <p:ph type="body" idx="2"/>
+          </p:nvPr>
+        </p:nvSpPr>
+        <p:spPr>
+          <a:xfrm>
+            <a:off x="4939500" y="724200"/>
+            <a:ext cx="3837000" cy="3695100"/>
+          </a:xfrm>
+          <a:prstGeom prst="rect">
+            <a:avLst/>
+          </a:prstGeom>
+        </p:spPr>
+        <p:txBody>
+          <a:bodyPr spcFirstLastPara="1" wrap="square" lIns="91425" tIns="91425" rIns="91425" bIns="91425" anchor="ctr" anchorCtr="0">
+            <a:normAutofit/>
+          </a:bodyPr>
+          <a:lstStyle/>
+          <a:p>
+            <a:pPr marL="0" lvl="0" indent="0" algn="l" rtl="0">
+              <a:spcBef>
+                <a:spcPts val="0"/>
+              </a:spcBef>
+              <a:spcAft>
+                <a:spcPts val="1200"/>
+              </a:spcAft>
+              <a:buNone/>
+            </a:pPr>
+            <a:endParaRPr/>
+          </a:p>
+        </p:txBody>
+      </p:sp>
+      <p:sp>
+        <p:nvSpPr>
+          <p:cNvPr id="170" name="Google Shape;170;p27"/>
+          <p:cNvSpPr txBox="1">
+            <a:spLocks noGrp="1"/>
+          </p:cNvSpPr>
+          <p:nvPr>
+            <p:ph type="subTitle" idx="1"/>
+          </p:nvPr>
+        </p:nvSpPr>
+        <p:spPr>
+          <a:xfrm>
+            <a:off x="265500" y="2769001"/>
+            <a:ext cx="4045200" cy="1269300"/>
+          </a:xfrm>
+          <a:prstGeom prst="rect">
+            <a:avLst/>
+          </a:prstGeom>
+        </p:spPr>
+        <p:txBody>
+          <a:bodyPr spcFirstLastPara="1" wrap="square" lIns="91425" tIns="91425" rIns="91425" bIns="91425" anchor="t" anchorCtr="0">
+            <a:normAutofit/>
+          </a:bodyPr>
+          <a:lstStyle/>
+          <a:p>
+            <a:pPr marL="0" lvl="0" indent="0" algn="l" rtl="0">
+              <a:spcBef>
+                <a:spcPts val="0"/>
+              </a:spcBef>
+              <a:spcAft>
+                <a:spcPts val="0"/>
+              </a:spcAft>
+              <a:buNone/>
+            </a:pPr>
+            <a:endParaRPr/>
+          </a:p>
+        </p:txBody>
+      </p:sp>
+    </p:spTree>
+  </p:cSld>
+  <p:clrMapOvr>
+    <a:masterClrMapping/>
+  </p:clrMapOvr>
+</p:sld>
+</file>
+
+<file path=ppt/slides/slide11.xml><?xml version="1.0" encoding="utf-8"?>
+<p:sld xmlns:a="http://schemas.openxmlformats.org/drawingml/2006/main" xmlns:r="http://schemas.openxmlformats.org/officeDocument/2006/relationships" xmlns:p="http://schemas.openxmlformats.org/presentationml/2006/main">
+  <p:cSld>
+    <p:spTree>
+      <p:nvGrpSpPr>
         <p:cNvPr id="1" name="Shape 174"/>
         <p:cNvGrpSpPr/>
         <p:nvPr/>
@@ -10384,7 +10743,7 @@
 </p:sld>
 </file>
 
-<file path=ppt/slides/slide11.xml><?xml version="1.0" encoding="utf-8"?>
+<file path=ppt/slides/slide12.xml><?xml version="1.0" encoding="utf-8"?>
 <p:sld xmlns:a="http://schemas.openxmlformats.org/drawingml/2006/main" xmlns:r="http://schemas.openxmlformats.org/officeDocument/2006/relationships" xmlns:p="http://schemas.openxmlformats.org/presentationml/2006/main">
   <p:cSld>
     <p:spTree>
@@ -10402,6 +10761,146 @@
         </a:xfrm>
       </p:grpSpPr>
     </p:spTree>
+  </p:cSld>
+  <p:clrMapOvr>
+    <a:masterClrMapping/>
+  </p:clrMapOvr>
+</p:sld>
+</file>
+
+<file path=ppt/slides/slide13.xml><?xml version="1.0" encoding="utf-8"?>
+<p:sld xmlns:a="http://schemas.openxmlformats.org/drawingml/2006/main" xmlns:r="http://schemas.openxmlformats.org/officeDocument/2006/relationships" xmlns:p="http://schemas.openxmlformats.org/presentationml/2006/main">
+  <p:cSld>
+    <p:spTree>
+      <p:nvGrpSpPr>
+        <p:cNvPr id="1" name="Shape 156"/>
+        <p:cNvGrpSpPr/>
+        <p:nvPr/>
+      </p:nvGrpSpPr>
+      <p:grpSpPr>
+        <a:xfrm>
+          <a:off x="0" y="0"/>
+          <a:ext cx="0" cy="0"/>
+          <a:chOff x="0" y="0"/>
+          <a:chExt cx="0" cy="0"/>
+        </a:xfrm>
+      </p:grpSpPr>
+      <p:sp>
+        <p:nvSpPr>
+          <p:cNvPr id="157" name="Google Shape;157;p25"/>
+          <p:cNvSpPr txBox="1">
+            <a:spLocks noGrp="1"/>
+          </p:cNvSpPr>
+          <p:nvPr>
+            <p:ph type="title"/>
+          </p:nvPr>
+        </p:nvSpPr>
+        <p:spPr>
+          <a:xfrm>
+            <a:off x="311700" y="410000"/>
+            <a:ext cx="8520600" cy="607800"/>
+          </a:xfrm>
+          <a:prstGeom prst="rect">
+            <a:avLst/>
+          </a:prstGeom>
+        </p:spPr>
+        <p:txBody>
+          <a:bodyPr spcFirstLastPara="1" wrap="square" lIns="91425" tIns="91425" rIns="91425" bIns="91425" anchor="t" anchorCtr="0">
+            <a:normAutofit fontScale="90000"/>
+          </a:bodyPr>
+          <a:lstStyle/>
+          <a:p>
+            <a:pPr marL="0" lvl="0" indent="0" algn="l" rtl="0">
+              <a:spcBef>
+                <a:spcPts val="0"/>
+              </a:spcBef>
+              <a:spcAft>
+                <a:spcPts val="0"/>
+              </a:spcAft>
+              <a:buNone/>
+            </a:pPr>
+            <a:r>
+              <a:rPr lang="en-US" dirty="0"/>
+              <a:t>Please Note:</a:t>
+            </a:r>
+            <a:endParaRPr dirty="0"/>
+          </a:p>
+        </p:txBody>
+      </p:sp>
+      <p:sp>
+        <p:nvSpPr>
+          <p:cNvPr id="158" name="Google Shape;158;p25"/>
+          <p:cNvSpPr txBox="1">
+            <a:spLocks noGrp="1"/>
+          </p:cNvSpPr>
+          <p:nvPr>
+            <p:ph type="body" idx="1"/>
+          </p:nvPr>
+        </p:nvSpPr>
+        <p:spPr>
+          <a:xfrm>
+            <a:off x="280350" y="1266450"/>
+            <a:ext cx="8520600" cy="3339000"/>
+          </a:xfrm>
+          <a:prstGeom prst="rect">
+            <a:avLst/>
+          </a:prstGeom>
+        </p:spPr>
+        <p:txBody>
+          <a:bodyPr spcFirstLastPara="1" wrap="square" lIns="91425" tIns="91425" rIns="91425" bIns="91425" anchor="t" anchorCtr="0">
+            <a:normAutofit/>
+          </a:bodyPr>
+          <a:lstStyle/>
+          <a:p>
+            <a:pPr marL="285750" indent="-285750">
+              <a:spcAft>
+                <a:spcPts val="1200"/>
+              </a:spcAft>
+            </a:pPr>
+            <a:r>
+              <a:rPr lang="en-US" dirty="0"/>
+              <a:t>The OpenChain Project Meeting and Presentation Template contains the OpenChain trademark and can only be used for matters related to OpenChain Project activities. This template also contains The Linux Foundation trademarked logo. The Linux Foundation trademark policy can be found here:</a:t>
+            </a:r>
+            <a:br>
+              <a:rPr lang="en-US" dirty="0"/>
+            </a:br>
+            <a:r>
+              <a:rPr lang="en-US" dirty="0">
+                <a:hlinkClick r:id="rId3"/>
+              </a:rPr>
+              <a:t>https://www.linuxfoundation.org/legal/trademark-usage</a:t>
+            </a:r>
+            <a:endParaRPr lang="en-US" dirty="0"/>
+          </a:p>
+          <a:p>
+            <a:pPr marL="285750" indent="-285750">
+              <a:spcAft>
+                <a:spcPts val="1200"/>
+              </a:spcAft>
+            </a:pPr>
+            <a:r>
+              <a:rPr lang="en-US" dirty="0"/>
+              <a:t>If you want to use the OpenChain trademark for commercial activities please join the OpenChain Partner Program:</a:t>
+            </a:r>
+            <a:br>
+              <a:rPr lang="en-US" dirty="0"/>
+            </a:br>
+            <a:r>
+              <a:rPr lang="en-US" dirty="0">
+                <a:hlinkClick r:id="rId4"/>
+              </a:rPr>
+              <a:t>https://www.openchainproject.org/partners</a:t>
+            </a:r>
+            <a:endParaRPr lang="en-US" dirty="0"/>
+          </a:p>
+        </p:txBody>
+      </p:sp>
+    </p:spTree>
+    <p:extLst>
+      <p:ext uri="{BB962C8B-B14F-4D97-AF65-F5344CB8AC3E}">
+        <p14:creationId xmlns:p14="http://schemas.microsoft.com/office/powerpoint/2010/main" val="3496348576"/>
+      </p:ext>
+    </p:extLst>
   </p:cSld>
   <p:clrMapOvr>
     <a:masterClrMapping/>
@@ -10616,6 +11115,182 @@
   <p:cSld>
     <p:spTree>
       <p:nvGrpSpPr>
+        <p:cNvPr id="1" name="Shape 156"/>
+        <p:cNvGrpSpPr/>
+        <p:nvPr/>
+      </p:nvGrpSpPr>
+      <p:grpSpPr>
+        <a:xfrm>
+          <a:off x="0" y="0"/>
+          <a:ext cx="0" cy="0"/>
+          <a:chOff x="0" y="0"/>
+          <a:chExt cx="0" cy="0"/>
+        </a:xfrm>
+      </p:grpSpPr>
+      <p:sp>
+        <p:nvSpPr>
+          <p:cNvPr id="157" name="Google Shape;157;p25"/>
+          <p:cNvSpPr txBox="1">
+            <a:spLocks noGrp="1"/>
+          </p:cNvSpPr>
+          <p:nvPr>
+            <p:ph type="title"/>
+          </p:nvPr>
+        </p:nvSpPr>
+        <p:spPr>
+          <a:xfrm>
+            <a:off x="311700" y="410000"/>
+            <a:ext cx="8520600" cy="607800"/>
+          </a:xfrm>
+          <a:prstGeom prst="rect">
+            <a:avLst/>
+          </a:prstGeom>
+        </p:spPr>
+        <p:txBody>
+          <a:bodyPr spcFirstLastPara="1" wrap="square" lIns="91425" tIns="91425" rIns="91425" bIns="91425" anchor="t" anchorCtr="0">
+            <a:normAutofit fontScale="90000"/>
+          </a:bodyPr>
+          <a:lstStyle/>
+          <a:p>
+            <a:pPr marL="0" lvl="0" indent="0" algn="l" rtl="0">
+              <a:spcBef>
+                <a:spcPts val="0"/>
+              </a:spcBef>
+              <a:spcAft>
+                <a:spcPts val="0"/>
+              </a:spcAft>
+              <a:buNone/>
+            </a:pPr>
+            <a:r>
+              <a:rPr lang="en-US" dirty="0"/>
+              <a:t>Anti-Trust Policy Notice</a:t>
+            </a:r>
+            <a:endParaRPr dirty="0"/>
+          </a:p>
+        </p:txBody>
+      </p:sp>
+      <p:sp>
+        <p:nvSpPr>
+          <p:cNvPr id="158" name="Google Shape;158;p25"/>
+          <p:cNvSpPr txBox="1">
+            <a:spLocks noGrp="1"/>
+          </p:cNvSpPr>
+          <p:nvPr>
+            <p:ph type="body" idx="1"/>
+          </p:nvPr>
+        </p:nvSpPr>
+        <p:spPr>
+          <a:xfrm>
+            <a:off x="280350" y="1266450"/>
+            <a:ext cx="8520600" cy="3339000"/>
+          </a:xfrm>
+          <a:prstGeom prst="rect">
+            <a:avLst/>
+          </a:prstGeom>
+        </p:spPr>
+        <p:txBody>
+          <a:bodyPr spcFirstLastPara="1" wrap="square" lIns="91425" tIns="91425" rIns="91425" bIns="91425" anchor="t" anchorCtr="0">
+            <a:normAutofit fontScale="85000" lnSpcReduction="20000"/>
+          </a:bodyPr>
+          <a:lstStyle/>
+          <a:p>
+            <a:pPr marL="285750" indent="-285750">
+              <a:spcAft>
+                <a:spcPts val="1200"/>
+              </a:spcAft>
+            </a:pPr>
+            <a:r>
+              <a:rPr lang="en-US" dirty="0"/>
+              <a:t>Linux Foundation meetings involve participation by industry competitors, and it is the intention of the Linux Foundation to conduct all of its activities in accordance with applicable antitrust and competition laws. It is therefore extremely important that attendees adhere to meeting agendas, and be aware of, and not participate in, any activities that are prohibited under applicable US state, federal or foreign antitrust and competition laws.</a:t>
+            </a:r>
+          </a:p>
+          <a:p>
+            <a:pPr marL="285750" indent="-285750">
+              <a:spcAft>
+                <a:spcPts val="1200"/>
+              </a:spcAft>
+            </a:pPr>
+            <a:r>
+              <a:rPr lang="en-US" dirty="0"/>
+              <a:t> Examples of types of actions that are prohibited at Linux Foundation meetings and in connection with Linux Foundation activities are described in the Linux Foundation Antitrust Policy available at http://</a:t>
+            </a:r>
+            <a:r>
+              <a:rPr lang="en-US" dirty="0" err="1"/>
+              <a:t>www.linuxfoundation.org</a:t>
+            </a:r>
+            <a:r>
+              <a:rPr lang="en-US" dirty="0"/>
+              <a:t>/antitrust-policy. If you have questions about these matters, please contact your company counsel, or if you are a member of the Linux Foundation, feel free to contact Andrew </a:t>
+            </a:r>
+            <a:r>
+              <a:rPr lang="en-US" dirty="0" err="1"/>
+              <a:t>Updegrove</a:t>
+            </a:r>
+            <a:r>
+              <a:rPr lang="en-US" dirty="0"/>
+              <a:t> of the firm of </a:t>
+            </a:r>
+            <a:r>
+              <a:rPr lang="en-US" dirty="0" err="1"/>
+              <a:t>Gesmer</a:t>
+            </a:r>
+            <a:r>
+              <a:rPr lang="en-US" dirty="0"/>
+              <a:t> </a:t>
+            </a:r>
+            <a:r>
+              <a:rPr lang="en-US" dirty="0" err="1"/>
+              <a:t>Updegrove</a:t>
+            </a:r>
+            <a:r>
+              <a:rPr lang="en-US" dirty="0"/>
+              <a:t> LLP, which provides legal counsel to the Linux Foundation.</a:t>
+            </a:r>
+          </a:p>
+          <a:p>
+            <a:pPr marL="0" lvl="0" indent="0" algn="l" rtl="0">
+              <a:spcBef>
+                <a:spcPts val="0"/>
+              </a:spcBef>
+              <a:spcAft>
+                <a:spcPts val="1200"/>
+              </a:spcAft>
+              <a:buNone/>
+            </a:pPr>
+            <a:endParaRPr lang="en-US" dirty="0"/>
+          </a:p>
+          <a:p>
+            <a:pPr marL="0" lvl="0" indent="0" algn="l" rtl="0">
+              <a:spcBef>
+                <a:spcPts val="0"/>
+              </a:spcBef>
+              <a:spcAft>
+                <a:spcPts val="1200"/>
+              </a:spcAft>
+              <a:buNone/>
+            </a:pPr>
+            <a:endParaRPr dirty="0"/>
+          </a:p>
+        </p:txBody>
+      </p:sp>
+    </p:spTree>
+    <p:extLst>
+      <p:ext uri="{BB962C8B-B14F-4D97-AF65-F5344CB8AC3E}">
+        <p14:creationId xmlns:p14="http://schemas.microsoft.com/office/powerpoint/2010/main" val="1226033584"/>
+      </p:ext>
+    </p:extLst>
+  </p:cSld>
+  <p:clrMapOvr>
+    <a:masterClrMapping/>
+  </p:clrMapOvr>
+</p:sld>
+</file>
+
+<file path=ppt/slides/slide5.xml><?xml version="1.0" encoding="utf-8"?>
+<p:sld xmlns:a="http://schemas.openxmlformats.org/drawingml/2006/main" xmlns:r="http://schemas.openxmlformats.org/officeDocument/2006/relationships" xmlns:p="http://schemas.openxmlformats.org/presentationml/2006/main">
+  <p:cSld>
+    <p:spTree>
+      <p:nvGrpSpPr>
         <p:cNvPr id="1" name="Shape 139"/>
         <p:cNvGrpSpPr/>
         <p:nvPr/>
@@ -10674,7 +11349,7 @@
 </p:sld>
 </file>
 
-<file path=ppt/slides/slide5.xml><?xml version="1.0" encoding="utf-8"?>
+<file path=ppt/slides/slide6.xml><?xml version="1.0" encoding="utf-8"?>
 <p:sld xmlns:a="http://schemas.openxmlformats.org/drawingml/2006/main" xmlns:r="http://schemas.openxmlformats.org/officeDocument/2006/relationships" xmlns:p="http://schemas.openxmlformats.org/presentationml/2006/main">
   <p:cSld>
     <p:spTree>
@@ -10737,7 +11412,7 @@
 </p:sld>
 </file>
 
-<file path=ppt/slides/slide6.xml><?xml version="1.0" encoding="utf-8"?>
+<file path=ppt/slides/slide7.xml><?xml version="1.0" encoding="utf-8"?>
 <p:sld xmlns:a="http://schemas.openxmlformats.org/drawingml/2006/main" xmlns:r="http://schemas.openxmlformats.org/officeDocument/2006/relationships" xmlns:p="http://schemas.openxmlformats.org/presentationml/2006/main">
   <p:cSld>
     <p:spTree>
@@ -10876,7 +11551,7 @@
 </p:sld>
 </file>
 
-<file path=ppt/slides/slide7.xml><?xml version="1.0" encoding="utf-8"?>
+<file path=ppt/slides/slide8.xml><?xml version="1.0" encoding="utf-8"?>
 <p:sld xmlns:a="http://schemas.openxmlformats.org/drawingml/2006/main" xmlns:r="http://schemas.openxmlformats.org/officeDocument/2006/relationships" xmlns:p="http://schemas.openxmlformats.org/presentationml/2006/main">
   <p:cSld>
     <p:spTree>
@@ -10977,7 +11652,7 @@
 </p:sld>
 </file>
 
-<file path=ppt/slides/slide8.xml><?xml version="1.0" encoding="utf-8"?>
+<file path=ppt/slides/slide9.xml><?xml version="1.0" encoding="utf-8"?>
 <p:sld xmlns:a="http://schemas.openxmlformats.org/drawingml/2006/main" xmlns:r="http://schemas.openxmlformats.org/officeDocument/2006/relationships" xmlns:p="http://schemas.openxmlformats.org/presentationml/2006/main">
   <p:cSld>
     <p:spTree>
@@ -11016,145 +11691,6 @@
         <p:txBody>
           <a:bodyPr spcFirstLastPara="1" wrap="square" lIns="91425" tIns="91425" rIns="91425" bIns="91425" anchor="t" anchorCtr="0">
             <a:normAutofit fontScale="90000"/>
-          </a:bodyPr>
-          <a:lstStyle/>
-          <a:p>
-            <a:pPr marL="0" lvl="0" indent="0" algn="l" rtl="0">
-              <a:spcBef>
-                <a:spcPts val="0"/>
-              </a:spcBef>
-              <a:spcAft>
-                <a:spcPts val="0"/>
-              </a:spcAft>
-              <a:buNone/>
-            </a:pPr>
-            <a:endParaRPr/>
-          </a:p>
-        </p:txBody>
-      </p:sp>
-    </p:spTree>
-  </p:cSld>
-  <p:clrMapOvr>
-    <a:masterClrMapping/>
-  </p:clrMapOvr>
-</p:sld>
-</file>
-
-<file path=ppt/slides/slide9.xml><?xml version="1.0" encoding="utf-8"?>
-<p:sld xmlns:a="http://schemas.openxmlformats.org/drawingml/2006/main" xmlns:r="http://schemas.openxmlformats.org/officeDocument/2006/relationships" xmlns:p="http://schemas.openxmlformats.org/presentationml/2006/main">
-  <p:cSld>
-    <p:spTree>
-      <p:nvGrpSpPr>
-        <p:cNvPr id="1" name="Shape 167"/>
-        <p:cNvGrpSpPr/>
-        <p:nvPr/>
-      </p:nvGrpSpPr>
-      <p:grpSpPr>
-        <a:xfrm>
-          <a:off x="0" y="0"/>
-          <a:ext cx="0" cy="0"/>
-          <a:chOff x="0" y="0"/>
-          <a:chExt cx="0" cy="0"/>
-        </a:xfrm>
-      </p:grpSpPr>
-      <p:sp>
-        <p:nvSpPr>
-          <p:cNvPr id="168" name="Google Shape;168;p27"/>
-          <p:cNvSpPr txBox="1">
-            <a:spLocks noGrp="1"/>
-          </p:cNvSpPr>
-          <p:nvPr>
-            <p:ph type="title"/>
-          </p:nvPr>
-        </p:nvSpPr>
-        <p:spPr>
-          <a:xfrm>
-            <a:off x="265500" y="1151100"/>
-            <a:ext cx="4045200" cy="1564500"/>
-          </a:xfrm>
-          <a:prstGeom prst="rect">
-            <a:avLst/>
-          </a:prstGeom>
-        </p:spPr>
-        <p:txBody>
-          <a:bodyPr spcFirstLastPara="1" wrap="square" lIns="91425" tIns="91425" rIns="91425" bIns="91425" anchor="b" anchorCtr="0">
-            <a:normAutofit/>
-          </a:bodyPr>
-          <a:lstStyle/>
-          <a:p>
-            <a:pPr marL="0" lvl="0" indent="0" algn="l" rtl="0">
-              <a:spcBef>
-                <a:spcPts val="0"/>
-              </a:spcBef>
-              <a:spcAft>
-                <a:spcPts val="0"/>
-              </a:spcAft>
-              <a:buNone/>
-            </a:pPr>
-            <a:endParaRPr/>
-          </a:p>
-        </p:txBody>
-      </p:sp>
-      <p:sp>
-        <p:nvSpPr>
-          <p:cNvPr id="169" name="Google Shape;169;p27"/>
-          <p:cNvSpPr txBox="1">
-            <a:spLocks noGrp="1"/>
-          </p:cNvSpPr>
-          <p:nvPr>
-            <p:ph type="body" idx="2"/>
-          </p:nvPr>
-        </p:nvSpPr>
-        <p:spPr>
-          <a:xfrm>
-            <a:off x="4939500" y="724200"/>
-            <a:ext cx="3837000" cy="3695100"/>
-          </a:xfrm>
-          <a:prstGeom prst="rect">
-            <a:avLst/>
-          </a:prstGeom>
-        </p:spPr>
-        <p:txBody>
-          <a:bodyPr spcFirstLastPara="1" wrap="square" lIns="91425" tIns="91425" rIns="91425" bIns="91425" anchor="ctr" anchorCtr="0">
-            <a:normAutofit/>
-          </a:bodyPr>
-          <a:lstStyle/>
-          <a:p>
-            <a:pPr marL="0" lvl="0" indent="0" algn="l" rtl="0">
-              <a:spcBef>
-                <a:spcPts val="0"/>
-              </a:spcBef>
-              <a:spcAft>
-                <a:spcPts val="1200"/>
-              </a:spcAft>
-              <a:buNone/>
-            </a:pPr>
-            <a:endParaRPr/>
-          </a:p>
-        </p:txBody>
-      </p:sp>
-      <p:sp>
-        <p:nvSpPr>
-          <p:cNvPr id="170" name="Google Shape;170;p27"/>
-          <p:cNvSpPr txBox="1">
-            <a:spLocks noGrp="1"/>
-          </p:cNvSpPr>
-          <p:nvPr>
-            <p:ph type="subTitle" idx="1"/>
-          </p:nvPr>
-        </p:nvSpPr>
-        <p:spPr>
-          <a:xfrm>
-            <a:off x="265500" y="2769001"/>
-            <a:ext cx="4045200" cy="1269300"/>
-          </a:xfrm>
-          <a:prstGeom prst="rect">
-            <a:avLst/>
-          </a:prstGeom>
-        </p:spPr>
-        <p:txBody>
-          <a:bodyPr spcFirstLastPara="1" wrap="square" lIns="91425" tIns="91425" rIns="91425" bIns="91425" anchor="t" anchorCtr="0">
-            <a:normAutofit/>
           </a:bodyPr>
           <a:lstStyle/>
           <a:p>
